--- a/make_presentation/templates/templates/classic/_13.pptx
+++ b/make_presentation/templates/templates/classic/_13.pptx
@@ -304,7 +304,7 @@
             <a:pPr algn="r">
               <a:buNone/>
             </a:pPr>
-            <a:fld id="{C9848260-9F33-4C36-9A67-D7CF2902D716}" type="slidenum">
+            <a:fld id="{8E3A95B9-76D2-4247-814C-AED3BC507544}" type="slidenum">
               <a:rPr b="0" lang="en-US" sz="1400" spc="-1" strike="noStrike">
                 <a:latin typeface="Times New Roman"/>
               </a:rPr>
@@ -352,7 +352,7 @@
         <p:spPr>
           <a:xfrm>
             <a:off x="380880" y="685800"/>
-            <a:ext cx="6093000" cy="3426120"/>
+            <a:ext cx="6092640" cy="3425760"/>
           </a:xfrm>
           <a:prstGeom prst="rect">
             <a:avLst/>
@@ -375,7 +375,7 @@
         <p:spPr>
           <a:xfrm>
             <a:off x="685800" y="4343400"/>
-            <a:ext cx="5483520" cy="4111920"/>
+            <a:ext cx="5483160" cy="4111560"/>
           </a:xfrm>
           <a:prstGeom prst="rect">
             <a:avLst/>
@@ -409,7 +409,7 @@
         <p:spPr>
           <a:xfrm>
             <a:off x="3884760" y="8685360"/>
-            <a:ext cx="2968920" cy="454320"/>
+            <a:ext cx="2968560" cy="453960"/>
           </a:xfrm>
           <a:prstGeom prst="rect">
             <a:avLst/>
@@ -445,7 +445,7 @@
               </a:lnSpc>
               <a:buNone/>
             </a:pPr>
-            <a:fld id="{CEED7F87-80F4-410C-9A0D-F41BB6030B99}" type="slidenum">
+            <a:fld id="{31E89A0B-49B0-498C-AEBA-A3963D4C7EDE}" type="slidenum">
               <a:rPr b="0" lang="en-US" sz="1200" spc="-1" strike="noStrike">
                 <a:solidFill>
                   <a:srgbClr val="000000"/>
@@ -496,7 +496,7 @@
         <p:spPr>
           <a:xfrm>
             <a:off x="380880" y="685800"/>
-            <a:ext cx="6093000" cy="3426120"/>
+            <a:ext cx="6092640" cy="3425760"/>
           </a:xfrm>
           <a:prstGeom prst="rect">
             <a:avLst/>
@@ -519,7 +519,7 @@
         <p:spPr>
           <a:xfrm>
             <a:off x="685800" y="4343400"/>
-            <a:ext cx="5483520" cy="4111920"/>
+            <a:ext cx="5483160" cy="4111560"/>
           </a:xfrm>
           <a:prstGeom prst="rect">
             <a:avLst/>
@@ -553,7 +553,7 @@
         <p:spPr>
           <a:xfrm>
             <a:off x="3884760" y="8685360"/>
-            <a:ext cx="2968920" cy="454320"/>
+            <a:ext cx="2968560" cy="453960"/>
           </a:xfrm>
           <a:prstGeom prst="rect">
             <a:avLst/>
@@ -589,7 +589,7 @@
               </a:lnSpc>
               <a:buNone/>
             </a:pPr>
-            <a:fld id="{55627C2F-3CB3-4371-866C-2C65D4C1A65C}" type="slidenum">
+            <a:fld id="{A9155D28-C46B-49F3-A72C-D12F7542B614}" type="slidenum">
               <a:rPr b="0" lang="en-US" sz="1200" spc="-1" strike="noStrike">
                 <a:solidFill>
                   <a:srgbClr val="000000"/>
@@ -640,7 +640,7 @@
         <p:spPr>
           <a:xfrm>
             <a:off x="380880" y="685800"/>
-            <a:ext cx="6093000" cy="3426120"/>
+            <a:ext cx="6092640" cy="3425760"/>
           </a:xfrm>
           <a:prstGeom prst="rect">
             <a:avLst/>
@@ -663,7 +663,7 @@
         <p:spPr>
           <a:xfrm>
             <a:off x="685800" y="4343400"/>
-            <a:ext cx="5483520" cy="4111920"/>
+            <a:ext cx="5483160" cy="4111560"/>
           </a:xfrm>
           <a:prstGeom prst="rect">
             <a:avLst/>
@@ -697,7 +697,7 @@
         <p:spPr>
           <a:xfrm>
             <a:off x="3884760" y="8685360"/>
-            <a:ext cx="2968920" cy="454320"/>
+            <a:ext cx="2968560" cy="453960"/>
           </a:xfrm>
           <a:prstGeom prst="rect">
             <a:avLst/>
@@ -733,7 +733,7 @@
               </a:lnSpc>
               <a:buNone/>
             </a:pPr>
-            <a:fld id="{921E37E5-0D7B-4FDD-8B02-0821F936D9AA}" type="slidenum">
+            <a:fld id="{1437744E-A391-4860-907E-CC65BCBEF486}" type="slidenum">
               <a:rPr b="0" lang="en-US" sz="1200" spc="-1" strike="noStrike">
                 <a:solidFill>
                   <a:srgbClr val="000000"/>
@@ -784,7 +784,7 @@
         <p:spPr>
           <a:xfrm>
             <a:off x="380880" y="685800"/>
-            <a:ext cx="6093000" cy="3426120"/>
+            <a:ext cx="6092640" cy="3425760"/>
           </a:xfrm>
           <a:prstGeom prst="rect">
             <a:avLst/>
@@ -807,7 +807,7 @@
         <p:spPr>
           <a:xfrm>
             <a:off x="685800" y="4343400"/>
-            <a:ext cx="5483520" cy="4111920"/>
+            <a:ext cx="5483160" cy="4111560"/>
           </a:xfrm>
           <a:prstGeom prst="rect">
             <a:avLst/>
@@ -841,7 +841,7 @@
         <p:spPr>
           <a:xfrm>
             <a:off x="3884760" y="8685360"/>
-            <a:ext cx="2968920" cy="454320"/>
+            <a:ext cx="2968560" cy="453960"/>
           </a:xfrm>
           <a:prstGeom prst="rect">
             <a:avLst/>
@@ -877,7 +877,7 @@
               </a:lnSpc>
               <a:buNone/>
             </a:pPr>
-            <a:fld id="{BD910571-1B9A-4EE1-9752-AE150A3C8F22}" type="slidenum">
+            <a:fld id="{451CC8A1-3E84-48F6-8A92-ABB501CE975D}" type="slidenum">
               <a:rPr b="0" lang="en-US" sz="1200" spc="-1" strike="noStrike">
                 <a:solidFill>
                   <a:srgbClr val="000000"/>
@@ -928,7 +928,7 @@
         <p:spPr>
           <a:xfrm>
             <a:off x="380880" y="685800"/>
-            <a:ext cx="6093000" cy="3426120"/>
+            <a:ext cx="6092640" cy="3425760"/>
           </a:xfrm>
           <a:prstGeom prst="rect">
             <a:avLst/>
@@ -951,7 +951,7 @@
         <p:spPr>
           <a:xfrm>
             <a:off x="685800" y="4343400"/>
-            <a:ext cx="5483520" cy="4111920"/>
+            <a:ext cx="5483160" cy="4111560"/>
           </a:xfrm>
           <a:prstGeom prst="rect">
             <a:avLst/>
@@ -985,7 +985,7 @@
         <p:spPr>
           <a:xfrm>
             <a:off x="3884760" y="8685360"/>
-            <a:ext cx="2968920" cy="454320"/>
+            <a:ext cx="2968560" cy="453960"/>
           </a:xfrm>
           <a:prstGeom prst="rect">
             <a:avLst/>
@@ -1021,7 +1021,7 @@
               </a:lnSpc>
               <a:buNone/>
             </a:pPr>
-            <a:fld id="{3C6AB0D4-3ACD-46D3-ABC2-8AC9C9AAD05D}" type="slidenum">
+            <a:fld id="{7E2D58FC-8B09-438E-8F3F-239114D95DDD}" type="slidenum">
               <a:rPr b="0" lang="en-US" sz="1200" spc="-1" strike="noStrike">
                 <a:solidFill>
                   <a:srgbClr val="000000"/>
@@ -1072,7 +1072,7 @@
         <p:spPr>
           <a:xfrm>
             <a:off x="380880" y="685800"/>
-            <a:ext cx="6093000" cy="3426120"/>
+            <a:ext cx="6092640" cy="3425760"/>
           </a:xfrm>
           <a:prstGeom prst="rect">
             <a:avLst/>
@@ -1095,7 +1095,7 @@
         <p:spPr>
           <a:xfrm>
             <a:off x="685800" y="4343400"/>
-            <a:ext cx="5483520" cy="4111920"/>
+            <a:ext cx="5483160" cy="4111560"/>
           </a:xfrm>
           <a:prstGeom prst="rect">
             <a:avLst/>
@@ -1129,7 +1129,7 @@
         <p:spPr>
           <a:xfrm>
             <a:off x="3884760" y="8685360"/>
-            <a:ext cx="2968920" cy="454320"/>
+            <a:ext cx="2968560" cy="453960"/>
           </a:xfrm>
           <a:prstGeom prst="rect">
             <a:avLst/>
@@ -1165,7 +1165,7 @@
               </a:lnSpc>
               <a:buNone/>
             </a:pPr>
-            <a:fld id="{5E70BEC0-55E1-4482-AB3A-6BDA625D4328}" type="slidenum">
+            <a:fld id="{C1462E0B-84C2-403B-BA33-BE80F3B0C1CC}" type="slidenum">
               <a:rPr b="0" lang="en-US" sz="1200" spc="-1" strike="noStrike">
                 <a:solidFill>
                   <a:srgbClr val="000000"/>
@@ -1216,7 +1216,7 @@
         <p:spPr>
           <a:xfrm>
             <a:off x="380880" y="685800"/>
-            <a:ext cx="6093000" cy="3426120"/>
+            <a:ext cx="6092640" cy="3425760"/>
           </a:xfrm>
           <a:prstGeom prst="rect">
             <a:avLst/>
@@ -1239,7 +1239,7 @@
         <p:spPr>
           <a:xfrm>
             <a:off x="685800" y="4343400"/>
-            <a:ext cx="5483520" cy="4111920"/>
+            <a:ext cx="5483160" cy="4111560"/>
           </a:xfrm>
           <a:prstGeom prst="rect">
             <a:avLst/>
@@ -1273,7 +1273,7 @@
         <p:spPr>
           <a:xfrm>
             <a:off x="3884760" y="8685360"/>
-            <a:ext cx="2968920" cy="454320"/>
+            <a:ext cx="2968560" cy="453960"/>
           </a:xfrm>
           <a:prstGeom prst="rect">
             <a:avLst/>
@@ -1309,7 +1309,7 @@
               </a:lnSpc>
               <a:buNone/>
             </a:pPr>
-            <a:fld id="{8A104EBB-8A56-49F1-99A6-2C088949A5DE}" type="slidenum">
+            <a:fld id="{5F35B219-8F8C-4B15-8F2B-87446FF8C5EC}" type="slidenum">
               <a:rPr b="0" lang="en-US" sz="1200" spc="-1" strike="noStrike">
                 <a:solidFill>
                   <a:srgbClr val="000000"/>
@@ -1360,7 +1360,7 @@
         <p:spPr>
           <a:xfrm>
             <a:off x="380880" y="685800"/>
-            <a:ext cx="6093000" cy="3426120"/>
+            <a:ext cx="6092640" cy="3425760"/>
           </a:xfrm>
           <a:prstGeom prst="rect">
             <a:avLst/>
@@ -1383,7 +1383,7 @@
         <p:spPr>
           <a:xfrm>
             <a:off x="685800" y="4343400"/>
-            <a:ext cx="5483520" cy="4111920"/>
+            <a:ext cx="5483160" cy="4111560"/>
           </a:xfrm>
           <a:prstGeom prst="rect">
             <a:avLst/>
@@ -1417,7 +1417,7 @@
         <p:spPr>
           <a:xfrm>
             <a:off x="3884760" y="8685360"/>
-            <a:ext cx="2968920" cy="454320"/>
+            <a:ext cx="2968560" cy="453960"/>
           </a:xfrm>
           <a:prstGeom prst="rect">
             <a:avLst/>
@@ -1453,7 +1453,7 @@
               </a:lnSpc>
               <a:buNone/>
             </a:pPr>
-            <a:fld id="{705B2912-2B7E-424E-9172-F76919CB4276}" type="slidenum">
+            <a:fld id="{23FE38F2-E97C-4267-8098-B269E98B0094}" type="slidenum">
               <a:rPr b="0" lang="en-US" sz="1200" spc="-1" strike="noStrike">
                 <a:solidFill>
                   <a:srgbClr val="000000"/>
@@ -1504,7 +1504,7 @@
         <p:spPr>
           <a:xfrm>
             <a:off x="380880" y="685800"/>
-            <a:ext cx="6093000" cy="3426120"/>
+            <a:ext cx="6092640" cy="3425760"/>
           </a:xfrm>
           <a:prstGeom prst="rect">
             <a:avLst/>
@@ -1527,7 +1527,7 @@
         <p:spPr>
           <a:xfrm>
             <a:off x="685800" y="4343400"/>
-            <a:ext cx="5483520" cy="4111920"/>
+            <a:ext cx="5483160" cy="4111560"/>
           </a:xfrm>
           <a:prstGeom prst="rect">
             <a:avLst/>
@@ -1561,7 +1561,7 @@
         <p:spPr>
           <a:xfrm>
             <a:off x="3884760" y="8685360"/>
-            <a:ext cx="2968920" cy="454320"/>
+            <a:ext cx="2968560" cy="453960"/>
           </a:xfrm>
           <a:prstGeom prst="rect">
             <a:avLst/>
@@ -1597,7 +1597,7 @@
               </a:lnSpc>
               <a:buNone/>
             </a:pPr>
-            <a:fld id="{BDD9DA5D-8C90-42AA-B444-B5A22B43D6F8}" type="slidenum">
+            <a:fld id="{3B3C0CFE-F2E4-4E94-8664-19058C433067}" type="slidenum">
               <a:rPr b="0" lang="en-US" sz="1200" spc="-1" strike="noStrike">
                 <a:solidFill>
                   <a:srgbClr val="000000"/>
@@ -1648,7 +1648,7 @@
         <p:spPr>
           <a:xfrm>
             <a:off x="380880" y="685800"/>
-            <a:ext cx="6093000" cy="3426120"/>
+            <a:ext cx="6092640" cy="3425760"/>
           </a:xfrm>
           <a:prstGeom prst="rect">
             <a:avLst/>
@@ -1671,7 +1671,7 @@
         <p:spPr>
           <a:xfrm>
             <a:off x="685800" y="4343400"/>
-            <a:ext cx="5483520" cy="4111920"/>
+            <a:ext cx="5483160" cy="4111560"/>
           </a:xfrm>
           <a:prstGeom prst="rect">
             <a:avLst/>
@@ -1705,7 +1705,7 @@
         <p:spPr>
           <a:xfrm>
             <a:off x="3884760" y="8685360"/>
-            <a:ext cx="2968920" cy="454320"/>
+            <a:ext cx="2968560" cy="453960"/>
           </a:xfrm>
           <a:prstGeom prst="rect">
             <a:avLst/>
@@ -1741,7 +1741,7 @@
               </a:lnSpc>
               <a:buNone/>
             </a:pPr>
-            <a:fld id="{C871C0EC-963C-4F68-AB2D-BFC92131F26A}" type="slidenum">
+            <a:fld id="{A344135D-D0CF-4781-A193-F3E67FA7E2A2}" type="slidenum">
               <a:rPr b="0" lang="en-US" sz="1200" spc="-1" strike="noStrike">
                 <a:solidFill>
                   <a:srgbClr val="000000"/>
@@ -1792,7 +1792,7 @@
         <p:spPr>
           <a:xfrm>
             <a:off x="380880" y="685800"/>
-            <a:ext cx="6093000" cy="3426120"/>
+            <a:ext cx="6092640" cy="3425760"/>
           </a:xfrm>
           <a:prstGeom prst="rect">
             <a:avLst/>
@@ -1815,7 +1815,7 @@
         <p:spPr>
           <a:xfrm>
             <a:off x="685800" y="4343400"/>
-            <a:ext cx="5483520" cy="4111920"/>
+            <a:ext cx="5483160" cy="4111560"/>
           </a:xfrm>
           <a:prstGeom prst="rect">
             <a:avLst/>
@@ -1849,7 +1849,7 @@
         <p:spPr>
           <a:xfrm>
             <a:off x="3884760" y="8685360"/>
-            <a:ext cx="2968920" cy="454320"/>
+            <a:ext cx="2968560" cy="453960"/>
           </a:xfrm>
           <a:prstGeom prst="rect">
             <a:avLst/>
@@ -1885,7 +1885,7 @@
               </a:lnSpc>
               <a:buNone/>
             </a:pPr>
-            <a:fld id="{CCFB9F65-2FB9-4251-B7C7-87CA155582E5}" type="slidenum">
+            <a:fld id="{848CD0D0-05B3-482E-A685-36D95231D4F2}" type="slidenum">
               <a:rPr b="0" lang="en-US" sz="1200" spc="-1" strike="noStrike">
                 <a:solidFill>
                   <a:srgbClr val="000000"/>
@@ -1936,7 +1936,7 @@
         <p:spPr>
           <a:xfrm>
             <a:off x="380880" y="685800"/>
-            <a:ext cx="6093000" cy="3426120"/>
+            <a:ext cx="6092640" cy="3425760"/>
           </a:xfrm>
           <a:prstGeom prst="rect">
             <a:avLst/>
@@ -1959,7 +1959,7 @@
         <p:spPr>
           <a:xfrm>
             <a:off x="685800" y="4343400"/>
-            <a:ext cx="5483520" cy="4111920"/>
+            <a:ext cx="5483160" cy="4111560"/>
           </a:xfrm>
           <a:prstGeom prst="rect">
             <a:avLst/>
@@ -1993,7 +1993,7 @@
         <p:spPr>
           <a:xfrm>
             <a:off x="3884760" y="8685360"/>
-            <a:ext cx="2968920" cy="454320"/>
+            <a:ext cx="2968560" cy="453960"/>
           </a:xfrm>
           <a:prstGeom prst="rect">
             <a:avLst/>
@@ -2029,7 +2029,7 @@
               </a:lnSpc>
               <a:buNone/>
             </a:pPr>
-            <a:fld id="{21E415AF-1B8A-4CFE-90DA-80B4A4DB36CF}" type="slidenum">
+            <a:fld id="{842894D8-6DC9-4CE0-B9EA-23396D1E5CC6}" type="slidenum">
               <a:rPr b="0" lang="en-US" sz="1200" spc="-1" strike="noStrike">
                 <a:solidFill>
                   <a:srgbClr val="000000"/>
@@ -2080,7 +2080,7 @@
         <p:spPr>
           <a:xfrm>
             <a:off x="380880" y="685800"/>
-            <a:ext cx="6093000" cy="3426120"/>
+            <a:ext cx="6092640" cy="3425760"/>
           </a:xfrm>
           <a:prstGeom prst="rect">
             <a:avLst/>
@@ -2103,7 +2103,7 @@
         <p:spPr>
           <a:xfrm>
             <a:off x="685800" y="4343400"/>
-            <a:ext cx="5483520" cy="4111920"/>
+            <a:ext cx="5483160" cy="4111560"/>
           </a:xfrm>
           <a:prstGeom prst="rect">
             <a:avLst/>
@@ -2137,7 +2137,7 @@
         <p:spPr>
           <a:xfrm>
             <a:off x="3884760" y="8685360"/>
-            <a:ext cx="2968920" cy="454320"/>
+            <a:ext cx="2968560" cy="453960"/>
           </a:xfrm>
           <a:prstGeom prst="rect">
             <a:avLst/>
@@ -2173,7 +2173,7 @@
               </a:lnSpc>
               <a:buNone/>
             </a:pPr>
-            <a:fld id="{653D8430-E70D-4CA8-904E-5D3135B92A00}" type="slidenum">
+            <a:fld id="{65E65394-BBAF-4AE7-B1FD-863A927F354C}" type="slidenum">
               <a:rPr b="0" lang="en-US" sz="1200" spc="-1" strike="noStrike">
                 <a:solidFill>
                   <a:srgbClr val="000000"/>
@@ -2245,7 +2245,7 @@
         <p:txBody>
           <a:bodyPr/>
           <a:p>
-            <a:fld id="{2B9EEEBB-83DE-43B6-9643-52328E5F0169}" type="slidenum">
+            <a:fld id="{47B58EE2-CFFC-45A1-9110-3D3E361F432A}" type="slidenum">
               <a:t>&lt;#&gt;</a:t>
             </a:fld>
           </a:p>
@@ -2433,7 +2433,7 @@
         <p:txBody>
           <a:bodyPr/>
           <a:p>
-            <a:fld id="{E082502A-B292-4273-AD75-03209F423955}" type="slidenum">
+            <a:fld id="{2AA589F5-8EEC-42FB-9F71-8095EB913CA1}" type="slidenum">
               <a:t>&lt;#&gt;</a:t>
             </a:fld>
           </a:p>
@@ -2689,7 +2689,7 @@
         <p:txBody>
           <a:bodyPr/>
           <a:p>
-            <a:fld id="{8766856F-5109-4C0D-89E7-929FC7E5BF8E}" type="slidenum">
+            <a:fld id="{7912A48E-B41E-4DC2-AAF6-54EEB896E1C1}" type="slidenum">
               <a:t>&lt;#&gt;</a:t>
             </a:fld>
           </a:p>
@@ -3013,7 +3013,7 @@
         <p:txBody>
           <a:bodyPr/>
           <a:p>
-            <a:fld id="{92D0A5BC-03B3-4A56-8E14-2D7F1537F8D1}" type="slidenum">
+            <a:fld id="{F47E6C69-DE02-47DA-9E8F-D9F728C2C8EA}" type="slidenum">
               <a:t>&lt;#&gt;</a:t>
             </a:fld>
           </a:p>
@@ -3170,7 +3170,7 @@
         <p:txBody>
           <a:bodyPr/>
           <a:p>
-            <a:fld id="{B66458E3-7A7D-4FCF-AD89-2A7825D2DA3E}" type="slidenum">
+            <a:fld id="{BA1E61C1-2A5C-42B1-B2DC-E30E902F8822}" type="slidenum">
               <a:t>&lt;#&gt;</a:t>
             </a:fld>
           </a:p>
@@ -3324,7 +3324,7 @@
         <p:txBody>
           <a:bodyPr/>
           <a:p>
-            <a:fld id="{E3056095-C72E-4109-BEB9-FF9C8AD87943}" type="slidenum">
+            <a:fld id="{5FC6F583-6FDF-42F4-A56E-3C8B5D675163}" type="slidenum">
               <a:t>&lt;#&gt;</a:t>
             </a:fld>
           </a:p>
@@ -3512,7 +3512,7 @@
         <p:txBody>
           <a:bodyPr/>
           <a:p>
-            <a:fld id="{295870C5-A75C-4F5A-A0B0-5B7333C48114}" type="slidenum">
+            <a:fld id="{8237487A-B954-48BF-A6D6-8503FC13E6C6}" type="slidenum">
               <a:t>&lt;#&gt;</a:t>
             </a:fld>
           </a:p>
@@ -3632,7 +3632,7 @@
         <p:txBody>
           <a:bodyPr/>
           <a:p>
-            <a:fld id="{FB9937C7-CBFD-428A-9616-EC9C4BC4CE8B}" type="slidenum">
+            <a:fld id="{587B2397-0EE6-439A-911F-2251CE961396}" type="slidenum">
               <a:t>&lt;#&gt;</a:t>
             </a:fld>
           </a:p>
@@ -3752,7 +3752,7 @@
         <p:txBody>
           <a:bodyPr/>
           <a:p>
-            <a:fld id="{D1C867F0-A57D-4AF6-821D-C0B5DBF1CF1A}" type="slidenum">
+            <a:fld id="{3507E6FC-61DA-47F4-A5A7-02F87804BB93}" type="slidenum">
               <a:t>&lt;#&gt;</a:t>
             </a:fld>
           </a:p>
@@ -3974,7 +3974,7 @@
         <p:txBody>
           <a:bodyPr/>
           <a:p>
-            <a:fld id="{B2149ACE-F094-4850-BD38-B3E0CA1872A5}" type="slidenum">
+            <a:fld id="{A8DD1AFC-9626-4431-AD5C-31040F6621DD}" type="slidenum">
               <a:t>&lt;#&gt;</a:t>
             </a:fld>
           </a:p>
@@ -4196,7 +4196,7 @@
         <p:txBody>
           <a:bodyPr/>
           <a:p>
-            <a:fld id="{0E2F03D9-C51D-4111-A3D1-604EFFD0348B}" type="slidenum">
+            <a:fld id="{5D27FD10-D9A5-49CD-B56E-AC8A419CE1D2}" type="slidenum">
               <a:t>&lt;#&gt;</a:t>
             </a:fld>
           </a:p>
@@ -4418,7 +4418,7 @@
         <p:txBody>
           <a:bodyPr/>
           <a:p>
-            <a:fld id="{9529864F-9E46-4999-9B05-F0503AA5F91F}" type="slidenum">
+            <a:fld id="{318FB807-206F-44A0-99DD-AFF5B745DE6F}" type="slidenum">
               <a:t>&lt;#&gt;</a:t>
             </a:fld>
           </a:p>
@@ -4487,7 +4487,7 @@
         <p:spPr>
           <a:xfrm>
             <a:off x="3028680" y="4771440"/>
-            <a:ext cx="3083760" cy="271800"/>
+            <a:ext cx="3083400" cy="271440"/>
           </a:xfrm>
           <a:prstGeom prst="rect">
             <a:avLst/>
@@ -4552,7 +4552,7 @@
         <p:spPr>
           <a:xfrm>
             <a:off x="6457680" y="4771440"/>
-            <a:ext cx="2055240" cy="271800"/>
+            <a:ext cx="2054880" cy="271440"/>
           </a:xfrm>
           <a:prstGeom prst="rect">
             <a:avLst/>
@@ -4588,7 +4588,7 @@
               </a:lnSpc>
               <a:buNone/>
             </a:pPr>
-            <a:fld id="{A36A2987-90FB-458F-8620-E41B5B9D524F}" type="slidenum">
+            <a:fld id="{D875A992-B70D-4D40-8550-9CEA92ECC4CE}" type="slidenum">
               <a:rPr b="0" lang="en-US" sz="1200" spc="-1" strike="noStrike">
                 <a:solidFill>
                   <a:srgbClr val="8b8b8b"/>
@@ -4617,7 +4617,7 @@
         <p:spPr>
           <a:xfrm>
             <a:off x="628200" y="4771440"/>
-            <a:ext cx="2055240" cy="271800"/>
+            <a:ext cx="2054880" cy="271440"/>
           </a:xfrm>
           <a:prstGeom prst="rect">
             <a:avLst/>
@@ -4929,8 +4929,8 @@
         </p:nvSpPr>
         <p:spPr>
           <a:xfrm rot="2744400">
-            <a:off x="-282600" y="-25920"/>
-            <a:ext cx="705960" cy="705600"/>
+            <a:off x="-282240" y="-25920"/>
+            <a:ext cx="705600" cy="705240"/>
           </a:xfrm>
           <a:prstGeom prst="roundRect">
             <a:avLst>
@@ -4967,8 +4967,8 @@
         </p:nvSpPr>
         <p:spPr>
           <a:xfrm rot="2625600">
-            <a:off x="6024960" y="4334040"/>
-            <a:ext cx="469800" cy="469800"/>
+            <a:off x="6024960" y="4333680"/>
+            <a:ext cx="469440" cy="469440"/>
           </a:xfrm>
           <a:prstGeom prst="roundRect">
             <a:avLst>
@@ -5006,7 +5006,7 @@
         <p:spPr>
           <a:xfrm rot="18679200">
             <a:off x="7004880" y="948600"/>
-            <a:ext cx="4941360" cy="4667760"/>
+            <a:ext cx="4941000" cy="4667400"/>
           </a:xfrm>
           <a:prstGeom prst="roundRect">
             <a:avLst>
@@ -5044,7 +5044,7 @@
         <p:spPr>
           <a:xfrm>
             <a:off x="459720" y="4671360"/>
-            <a:ext cx="2997000" cy="267840"/>
+            <a:ext cx="2996640" cy="267480"/>
           </a:xfrm>
           <a:prstGeom prst="rect">
             <a:avLst/>
@@ -5109,8 +5109,8 @@
         </p:blipFill>
         <p:spPr>
           <a:xfrm>
-            <a:off x="2423160" y="4671720"/>
-            <a:ext cx="289440" cy="289440"/>
+            <a:off x="2971800" y="4740120"/>
+            <a:ext cx="289080" cy="289080"/>
           </a:xfrm>
           <a:prstGeom prst="rect">
             <a:avLst/>
@@ -5129,7 +5129,7 @@
         <p:spPr>
           <a:xfrm>
             <a:off x="484920" y="1681560"/>
-            <a:ext cx="5482440" cy="1883880"/>
+            <a:ext cx="5482080" cy="1883520"/>
           </a:xfrm>
           <a:prstGeom prst="rect">
             <a:avLst/>
@@ -5217,8 +5217,8 @@
         </p:nvSpPr>
         <p:spPr>
           <a:xfrm rot="2744400">
-            <a:off x="-282600" y="-25920"/>
-            <a:ext cx="705960" cy="705600"/>
+            <a:off x="-282240" y="-25920"/>
+            <a:ext cx="705600" cy="705240"/>
           </a:xfrm>
           <a:prstGeom prst="roundRect">
             <a:avLst>
@@ -5256,7 +5256,7 @@
         <p:spPr>
           <a:xfrm rot="2332200">
             <a:off x="6009480" y="-320040"/>
-            <a:ext cx="4857120" cy="7728120"/>
+            <a:ext cx="4856760" cy="7727760"/>
           </a:xfrm>
           <a:prstGeom prst="roundRect">
             <a:avLst>
@@ -5294,9 +5294,9 @@
         <p:grpSpPr>
           <a:xfrm>
             <a:off x="4571640" y="828000"/>
-            <a:ext cx="4469760" cy="3565800"/>
+            <a:ext cx="4469400" cy="3565440"/>
             <a:chOff x="4571640" y="828000"/>
-            <a:chExt cx="4469760" cy="3565800"/>
+            <a:chExt cx="4469400" cy="3565440"/>
           </a:xfrm>
         </p:grpSpPr>
         <p:pic>
@@ -5312,7 +5312,7 @@
           <p:spPr>
             <a:xfrm>
               <a:off x="4571640" y="828000"/>
-              <a:ext cx="4469760" cy="3565800"/>
+              <a:ext cx="4469400" cy="3565440"/>
             </a:xfrm>
             <a:prstGeom prst="rect">
               <a:avLst/>
@@ -5330,8 +5330,8 @@
           </p:nvSpPr>
           <p:spPr>
             <a:xfrm rot="16200000">
-              <a:off x="5962680" y="1157400"/>
-              <a:ext cx="1738800" cy="2772720"/>
+              <a:off x="5962680" y="1157760"/>
+              <a:ext cx="1738440" cy="2772360"/>
             </a:xfrm>
             <a:prstGeom prst="roundRect">
               <a:avLst>
@@ -5398,7 +5398,7 @@
         <p:spPr>
           <a:xfrm>
             <a:off x="5446080" y="1672200"/>
-            <a:ext cx="2772360" cy="1738800"/>
+            <a:ext cx="2772000" cy="1738440"/>
           </a:xfrm>
           <a:prstGeom prst="rect">
             <a:avLst/>
@@ -5450,7 +5450,7 @@
         <p:spPr>
           <a:xfrm>
             <a:off x="586440" y="1246680"/>
-            <a:ext cx="4005720" cy="3601440"/>
+            <a:ext cx="4005360" cy="3601080"/>
           </a:xfrm>
           <a:prstGeom prst="rect">
             <a:avLst/>
@@ -5502,7 +5502,7 @@
         <p:spPr>
           <a:xfrm>
             <a:off x="586440" y="453960"/>
-            <a:ext cx="4765680" cy="856800"/>
+            <a:ext cx="4765320" cy="856440"/>
           </a:xfrm>
           <a:prstGeom prst="rect">
             <a:avLst/>
@@ -5591,7 +5591,7 @@
         <p:spPr>
           <a:xfrm rot="2745600">
             <a:off x="8349840" y="-668520"/>
-            <a:ext cx="1499760" cy="1499760"/>
+            <a:ext cx="1499400" cy="1499400"/>
           </a:xfrm>
           <a:prstGeom prst="roundRect">
             <a:avLst>
@@ -5629,7 +5629,7 @@
         <p:spPr>
           <a:xfrm rot="2745600">
             <a:off x="7634160" y="-322920"/>
-            <a:ext cx="808560" cy="808920"/>
+            <a:ext cx="808200" cy="808560"/>
           </a:xfrm>
           <a:prstGeom prst="roundRect">
             <a:avLst>
@@ -5668,7 +5668,7 @@
         <p:spPr>
           <a:xfrm>
             <a:off x="586440" y="899640"/>
-            <a:ext cx="7933320" cy="1538640"/>
+            <a:ext cx="7932960" cy="1538280"/>
           </a:xfrm>
           <a:prstGeom prst="rect">
             <a:avLst/>
@@ -5720,7 +5720,7 @@
         <p:spPr>
           <a:xfrm>
             <a:off x="608040" y="2545560"/>
-            <a:ext cx="3713760" cy="2257200"/>
+            <a:ext cx="3713400" cy="2256840"/>
           </a:xfrm>
           <a:prstGeom prst="rect">
             <a:avLst/>
@@ -5772,7 +5772,7 @@
         <p:spPr>
           <a:xfrm>
             <a:off x="4806360" y="2545560"/>
-            <a:ext cx="3713760" cy="2257200"/>
+            <a:ext cx="3713400" cy="2256840"/>
           </a:xfrm>
           <a:prstGeom prst="rect">
             <a:avLst/>
@@ -5824,7 +5824,7 @@
         <p:spPr>
           <a:xfrm>
             <a:off x="583200" y="450720"/>
-            <a:ext cx="7199640" cy="513720"/>
+            <a:ext cx="7199280" cy="513360"/>
           </a:xfrm>
           <a:prstGeom prst="rect">
             <a:avLst/>
@@ -5906,7 +5906,7 @@
         <p:spPr>
           <a:xfrm>
             <a:off x="586440" y="1246680"/>
-            <a:ext cx="4005720" cy="3601440"/>
+            <a:ext cx="4005360" cy="3601080"/>
           </a:xfrm>
           <a:prstGeom prst="rect">
             <a:avLst/>
@@ -5958,7 +5958,7 @@
         <p:spPr>
           <a:xfrm>
             <a:off x="559800" y="446040"/>
-            <a:ext cx="4285080" cy="685080"/>
+            <a:ext cx="4284720" cy="684720"/>
           </a:xfrm>
           <a:prstGeom prst="rect">
             <a:avLst/>
@@ -6010,7 +6010,7 @@
         <p:spPr>
           <a:xfrm>
             <a:off x="5097600" y="360"/>
-            <a:ext cx="4381200" cy="5145480"/>
+            <a:ext cx="4380840" cy="5145120"/>
           </a:xfrm>
           <a:prstGeom prst="roundRect">
             <a:avLst>
@@ -6075,8 +6075,8 @@
         </p:nvSpPr>
         <p:spPr>
           <a:xfrm rot="2744400">
-            <a:off x="-282600" y="-25920"/>
-            <a:ext cx="705960" cy="705600"/>
+            <a:off x="-282240" y="-25920"/>
+            <a:ext cx="705600" cy="705240"/>
           </a:xfrm>
           <a:prstGeom prst="roundRect">
             <a:avLst>
@@ -6113,8 +6113,8 @@
         </p:nvSpPr>
         <p:spPr>
           <a:xfrm rot="2625600">
-            <a:off x="4861080" y="4147920"/>
-            <a:ext cx="469800" cy="469800"/>
+            <a:off x="4861080" y="4147560"/>
+            <a:ext cx="469440" cy="469440"/>
           </a:xfrm>
           <a:prstGeom prst="roundRect">
             <a:avLst>
@@ -6188,8 +6188,8 @@
         </p:nvSpPr>
         <p:spPr>
           <a:xfrm rot="2744400">
-            <a:off x="-282600" y="-25920"/>
-            <a:ext cx="705960" cy="705600"/>
+            <a:off x="-282240" y="-25920"/>
+            <a:ext cx="705600" cy="705240"/>
           </a:xfrm>
           <a:prstGeom prst="roundRect">
             <a:avLst>
@@ -6227,7 +6227,7 @@
         <p:spPr>
           <a:xfrm>
             <a:off x="569160" y="1888920"/>
-            <a:ext cx="4822560" cy="820800"/>
+            <a:ext cx="4822200" cy="820800"/>
           </a:xfrm>
           <a:prstGeom prst="rect">
             <a:avLst/>
@@ -6279,7 +6279,7 @@
         <p:spPr>
           <a:xfrm rot="18679800">
             <a:off x="6783120" y="457560"/>
-            <a:ext cx="6252120" cy="4667760"/>
+            <a:ext cx="6251760" cy="4667400"/>
           </a:xfrm>
           <a:prstGeom prst="roundRect">
             <a:avLst>
@@ -6316,8 +6316,8 @@
         </p:nvSpPr>
         <p:spPr>
           <a:xfrm rot="2625600">
-            <a:off x="6024960" y="4334040"/>
-            <a:ext cx="469800" cy="469800"/>
+            <a:off x="6024960" y="4333680"/>
+            <a:ext cx="469440" cy="469440"/>
           </a:xfrm>
           <a:prstGeom prst="roundRect">
             <a:avLst>
@@ -6355,7 +6355,7 @@
         <p:spPr>
           <a:xfrm>
             <a:off x="1640880" y="4592880"/>
-            <a:ext cx="2997000" cy="267840"/>
+            <a:ext cx="2996640" cy="267480"/>
           </a:xfrm>
           <a:prstGeom prst="rect">
             <a:avLst/>
@@ -6417,7 +6417,7 @@
         <p:spPr>
           <a:xfrm>
             <a:off x="867240" y="3590280"/>
-            <a:ext cx="254880" cy="255240"/>
+            <a:ext cx="254520" cy="254880"/>
           </a:xfrm>
           <a:prstGeom prst="ellipse">
             <a:avLst/>
@@ -6452,7 +6452,7 @@
         <p:spPr>
           <a:xfrm>
             <a:off x="351000" y="3793320"/>
-            <a:ext cx="1287360" cy="1132920"/>
+            <a:ext cx="1287000" cy="1132560"/>
           </a:xfrm>
           <a:prstGeom prst="rect">
             <a:avLst/>
@@ -6501,7 +6501,7 @@
         <p:spPr>
           <a:xfrm>
             <a:off x="586440" y="1246680"/>
-            <a:ext cx="4005720" cy="3601440"/>
+            <a:ext cx="4005360" cy="3601080"/>
           </a:xfrm>
           <a:prstGeom prst="rect">
             <a:avLst/>
@@ -6553,7 +6553,7 @@
         <p:spPr>
           <a:xfrm>
             <a:off x="559800" y="446040"/>
-            <a:ext cx="4285080" cy="685080"/>
+            <a:ext cx="4284720" cy="684720"/>
           </a:xfrm>
           <a:prstGeom prst="rect">
             <a:avLst/>
@@ -6605,7 +6605,7 @@
         <p:spPr>
           <a:xfrm>
             <a:off x="5097600" y="360"/>
-            <a:ext cx="4381200" cy="5145480"/>
+            <a:ext cx="4380840" cy="5145120"/>
           </a:xfrm>
           <a:prstGeom prst="roundRect">
             <a:avLst>
@@ -6670,8 +6670,8 @@
         </p:nvSpPr>
         <p:spPr>
           <a:xfrm rot="2744400">
-            <a:off x="-282600" y="-25920"/>
-            <a:ext cx="705960" cy="705600"/>
+            <a:off x="-282240" y="-25920"/>
+            <a:ext cx="705600" cy="705240"/>
           </a:xfrm>
           <a:prstGeom prst="roundRect">
             <a:avLst>
@@ -6708,8 +6708,8 @@
         </p:nvSpPr>
         <p:spPr>
           <a:xfrm rot="2625600">
-            <a:off x="4861080" y="4147920"/>
-            <a:ext cx="469800" cy="469800"/>
+            <a:off x="4861080" y="4147560"/>
+            <a:ext cx="469440" cy="469440"/>
           </a:xfrm>
           <a:prstGeom prst="roundRect">
             <a:avLst>
@@ -6783,8 +6783,8 @@
         </p:nvSpPr>
         <p:spPr>
           <a:xfrm rot="2744400">
-            <a:off x="-351720" y="4541400"/>
-            <a:ext cx="705960" cy="705600"/>
+            <a:off x="-351360" y="4541040"/>
+            <a:ext cx="705600" cy="705240"/>
           </a:xfrm>
           <a:prstGeom prst="roundRect">
             <a:avLst>
@@ -6821,8 +6821,8 @@
         </p:nvSpPr>
         <p:spPr>
           <a:xfrm rot="19228200">
-            <a:off x="5847480" y="-2268000"/>
-            <a:ext cx="4856760" cy="7727760"/>
+            <a:off x="5847120" y="-2267640"/>
+            <a:ext cx="4856400" cy="7727400"/>
           </a:xfrm>
           <a:prstGeom prst="roundRect">
             <a:avLst>
@@ -6860,9 +6860,9 @@
         <p:grpSpPr>
           <a:xfrm>
             <a:off x="4571640" y="828000"/>
-            <a:ext cx="4469760" cy="3565800"/>
+            <a:ext cx="4469400" cy="3565440"/>
             <a:chOff x="4571640" y="828000"/>
-            <a:chExt cx="4469760" cy="3565800"/>
+            <a:chExt cx="4469400" cy="3565440"/>
           </a:xfrm>
         </p:grpSpPr>
         <p:pic>
@@ -6878,7 +6878,7 @@
           <p:spPr>
             <a:xfrm>
               <a:off x="4571640" y="828000"/>
-              <a:ext cx="4469760" cy="3565800"/>
+              <a:ext cx="4469400" cy="3565440"/>
             </a:xfrm>
             <a:prstGeom prst="rect">
               <a:avLst/>
@@ -6896,8 +6896,8 @@
           </p:nvSpPr>
           <p:spPr>
             <a:xfrm rot="16200000">
-              <a:off x="5962680" y="1157400"/>
-              <a:ext cx="1738800" cy="2772720"/>
+              <a:off x="5962680" y="1157760"/>
+              <a:ext cx="1738440" cy="2772360"/>
             </a:xfrm>
             <a:prstGeom prst="roundRect">
               <a:avLst>
@@ -6964,7 +6964,7 @@
         <p:spPr>
           <a:xfrm>
             <a:off x="586440" y="1246680"/>
-            <a:ext cx="4005720" cy="3601440"/>
+            <a:ext cx="4005360" cy="3601080"/>
           </a:xfrm>
           <a:prstGeom prst="rect">
             <a:avLst/>
@@ -7016,7 +7016,7 @@
         <p:spPr>
           <a:xfrm>
             <a:off x="5446080" y="1672200"/>
-            <a:ext cx="2781720" cy="1738800"/>
+            <a:ext cx="2781360" cy="1738440"/>
           </a:xfrm>
           <a:prstGeom prst="rect">
             <a:avLst/>
@@ -7068,7 +7068,7 @@
         <p:spPr>
           <a:xfrm>
             <a:off x="586440" y="453960"/>
-            <a:ext cx="3698280" cy="856800"/>
+            <a:ext cx="3697920" cy="856440"/>
           </a:xfrm>
           <a:prstGeom prst="rect">
             <a:avLst/>
@@ -7157,7 +7157,7 @@
         <p:spPr>
           <a:xfrm>
             <a:off x="4222080" y="1246680"/>
-            <a:ext cx="4116600" cy="3601440"/>
+            <a:ext cx="4116240" cy="3601080"/>
           </a:xfrm>
           <a:prstGeom prst="rect">
             <a:avLst/>
@@ -7208,8 +7208,8 @@
         </p:nvSpPr>
         <p:spPr>
           <a:xfrm rot="16200000">
-            <a:off x="-2181600" y="1731960"/>
-            <a:ext cx="5145480" cy="1685520"/>
+            <a:off x="-2181600" y="1732320"/>
+            <a:ext cx="5145120" cy="1685160"/>
           </a:xfrm>
           <a:prstGeom prst="roundRect">
             <a:avLst>
@@ -7247,7 +7247,7 @@
         <p:spPr>
           <a:xfrm rot="2745000">
             <a:off x="8575200" y="104760"/>
-            <a:ext cx="1134000" cy="1133640"/>
+            <a:ext cx="1133640" cy="1133280"/>
           </a:xfrm>
           <a:prstGeom prst="roundRect">
             <a:avLst>
@@ -7284,8 +7284,8 @@
         </p:nvSpPr>
         <p:spPr>
           <a:xfrm rot="16200000">
-            <a:off x="614880" y="917280"/>
-            <a:ext cx="3233520" cy="3315240"/>
+            <a:off x="614880" y="917640"/>
+            <a:ext cx="3233160" cy="3314880"/>
           </a:xfrm>
           <a:prstGeom prst="roundRect">
             <a:avLst>
@@ -7351,7 +7351,7 @@
         <p:spPr>
           <a:xfrm>
             <a:off x="4214160" y="456120"/>
-            <a:ext cx="4113360" cy="856800"/>
+            <a:ext cx="4113000" cy="856440"/>
           </a:xfrm>
           <a:prstGeom prst="rect">
             <a:avLst/>
@@ -7439,8 +7439,8 @@
         </p:nvSpPr>
         <p:spPr>
           <a:xfrm rot="2744400">
-            <a:off x="-282600" y="-25920"/>
-            <a:ext cx="705960" cy="705600"/>
+            <a:off x="-282240" y="-25920"/>
+            <a:ext cx="705600" cy="705240"/>
           </a:xfrm>
           <a:prstGeom prst="roundRect">
             <a:avLst>
@@ -7478,7 +7478,7 @@
         <p:spPr>
           <a:xfrm rot="2332200">
             <a:off x="6009480" y="-320040"/>
-            <a:ext cx="4857120" cy="7728120"/>
+            <a:ext cx="4856760" cy="7727760"/>
           </a:xfrm>
           <a:prstGeom prst="roundRect">
             <a:avLst>
@@ -7516,9 +7516,9 @@
         <p:grpSpPr>
           <a:xfrm>
             <a:off x="4571640" y="828000"/>
-            <a:ext cx="4469760" cy="3565800"/>
+            <a:ext cx="4469400" cy="3565440"/>
             <a:chOff x="4571640" y="828000"/>
-            <a:chExt cx="4469760" cy="3565800"/>
+            <a:chExt cx="4469400" cy="3565440"/>
           </a:xfrm>
         </p:grpSpPr>
         <p:pic>
@@ -7534,7 +7534,7 @@
           <p:spPr>
             <a:xfrm>
               <a:off x="4571640" y="828000"/>
-              <a:ext cx="4469760" cy="3565800"/>
+              <a:ext cx="4469400" cy="3565440"/>
             </a:xfrm>
             <a:prstGeom prst="rect">
               <a:avLst/>
@@ -7552,8 +7552,8 @@
           </p:nvSpPr>
           <p:spPr>
             <a:xfrm rot="16200000">
-              <a:off x="5962680" y="1157400"/>
-              <a:ext cx="1738800" cy="2772720"/>
+              <a:off x="5962680" y="1157760"/>
+              <a:ext cx="1738440" cy="2772360"/>
             </a:xfrm>
             <a:prstGeom prst="roundRect">
               <a:avLst>
@@ -7620,7 +7620,7 @@
         <p:spPr>
           <a:xfrm>
             <a:off x="5446080" y="1672200"/>
-            <a:ext cx="2772360" cy="1738800"/>
+            <a:ext cx="2772000" cy="1738440"/>
           </a:xfrm>
           <a:prstGeom prst="rect">
             <a:avLst/>
@@ -7672,7 +7672,7 @@
         <p:spPr>
           <a:xfrm>
             <a:off x="586440" y="1246680"/>
-            <a:ext cx="4005720" cy="3601440"/>
+            <a:ext cx="4005360" cy="3601080"/>
           </a:xfrm>
           <a:prstGeom prst="rect">
             <a:avLst/>
@@ -7724,7 +7724,7 @@
         <p:spPr>
           <a:xfrm>
             <a:off x="586440" y="453960"/>
-            <a:ext cx="4765680" cy="856800"/>
+            <a:ext cx="4765320" cy="856440"/>
           </a:xfrm>
           <a:prstGeom prst="rect">
             <a:avLst/>
@@ -7813,7 +7813,7 @@
         <p:spPr>
           <a:xfrm rot="2745600">
             <a:off x="8349840" y="-668520"/>
-            <a:ext cx="1499760" cy="1499760"/>
+            <a:ext cx="1499400" cy="1499400"/>
           </a:xfrm>
           <a:prstGeom prst="roundRect">
             <a:avLst>
@@ -7851,7 +7851,7 @@
         <p:spPr>
           <a:xfrm rot="2745600">
             <a:off x="7634160" y="-322920"/>
-            <a:ext cx="808560" cy="808920"/>
+            <a:ext cx="808200" cy="808560"/>
           </a:xfrm>
           <a:prstGeom prst="roundRect">
             <a:avLst>
@@ -7890,7 +7890,7 @@
         <p:spPr>
           <a:xfrm>
             <a:off x="586440" y="899640"/>
-            <a:ext cx="7933320" cy="1538640"/>
+            <a:ext cx="7932960" cy="1538280"/>
           </a:xfrm>
           <a:prstGeom prst="rect">
             <a:avLst/>
@@ -7942,7 +7942,7 @@
         <p:spPr>
           <a:xfrm>
             <a:off x="608040" y="2545560"/>
-            <a:ext cx="3713760" cy="2257200"/>
+            <a:ext cx="3713400" cy="2256840"/>
           </a:xfrm>
           <a:prstGeom prst="rect">
             <a:avLst/>
@@ -7994,7 +7994,7 @@
         <p:spPr>
           <a:xfrm>
             <a:off x="4806360" y="2545560"/>
-            <a:ext cx="3713760" cy="2257200"/>
+            <a:ext cx="3713400" cy="2256840"/>
           </a:xfrm>
           <a:prstGeom prst="rect">
             <a:avLst/>
@@ -8046,7 +8046,7 @@
         <p:spPr>
           <a:xfrm>
             <a:off x="583200" y="450720"/>
-            <a:ext cx="7199640" cy="513720"/>
+            <a:ext cx="7199280" cy="513360"/>
           </a:xfrm>
           <a:prstGeom prst="rect">
             <a:avLst/>
@@ -8128,7 +8128,7 @@
         <p:spPr>
           <a:xfrm>
             <a:off x="586440" y="1246680"/>
-            <a:ext cx="4005720" cy="3601440"/>
+            <a:ext cx="4005360" cy="3601080"/>
           </a:xfrm>
           <a:prstGeom prst="rect">
             <a:avLst/>
@@ -8180,7 +8180,7 @@
         <p:spPr>
           <a:xfrm>
             <a:off x="559800" y="446040"/>
-            <a:ext cx="4285080" cy="685080"/>
+            <a:ext cx="4284720" cy="684720"/>
           </a:xfrm>
           <a:prstGeom prst="rect">
             <a:avLst/>
@@ -8232,7 +8232,7 @@
         <p:spPr>
           <a:xfrm>
             <a:off x="5097600" y="360"/>
-            <a:ext cx="4381200" cy="5145480"/>
+            <a:ext cx="4380840" cy="5145120"/>
           </a:xfrm>
           <a:prstGeom prst="roundRect">
             <a:avLst>
@@ -8297,8 +8297,8 @@
         </p:nvSpPr>
         <p:spPr>
           <a:xfrm rot="2744400">
-            <a:off x="-282600" y="-25920"/>
-            <a:ext cx="705960" cy="705600"/>
+            <a:off x="-282240" y="-25920"/>
+            <a:ext cx="705600" cy="705240"/>
           </a:xfrm>
           <a:prstGeom prst="roundRect">
             <a:avLst>
@@ -8335,8 +8335,8 @@
         </p:nvSpPr>
         <p:spPr>
           <a:xfrm rot="2625600">
-            <a:off x="4861080" y="4147920"/>
-            <a:ext cx="469800" cy="469800"/>
+            <a:off x="4861080" y="4147560"/>
+            <a:ext cx="469440" cy="469440"/>
           </a:xfrm>
           <a:prstGeom prst="roundRect">
             <a:avLst>
@@ -8410,8 +8410,8 @@
         </p:nvSpPr>
         <p:spPr>
           <a:xfrm rot="2744400">
-            <a:off x="-351720" y="4541400"/>
-            <a:ext cx="705960" cy="705600"/>
+            <a:off x="-351360" y="4541040"/>
+            <a:ext cx="705600" cy="705240"/>
           </a:xfrm>
           <a:prstGeom prst="roundRect">
             <a:avLst>
@@ -8448,8 +8448,8 @@
         </p:nvSpPr>
         <p:spPr>
           <a:xfrm rot="19228200">
-            <a:off x="5847480" y="-2268000"/>
-            <a:ext cx="4856760" cy="7727760"/>
+            <a:off x="5847120" y="-2267640"/>
+            <a:ext cx="4856400" cy="7727400"/>
           </a:xfrm>
           <a:prstGeom prst="roundRect">
             <a:avLst>
@@ -8487,9 +8487,9 @@
         <p:grpSpPr>
           <a:xfrm>
             <a:off x="4571640" y="828000"/>
-            <a:ext cx="4469760" cy="3565800"/>
+            <a:ext cx="4469400" cy="3565440"/>
             <a:chOff x="4571640" y="828000"/>
-            <a:chExt cx="4469760" cy="3565800"/>
+            <a:chExt cx="4469400" cy="3565440"/>
           </a:xfrm>
         </p:grpSpPr>
         <p:pic>
@@ -8505,7 +8505,7 @@
           <p:spPr>
             <a:xfrm>
               <a:off x="4571640" y="828000"/>
-              <a:ext cx="4469760" cy="3565800"/>
+              <a:ext cx="4469400" cy="3565440"/>
             </a:xfrm>
             <a:prstGeom prst="rect">
               <a:avLst/>
@@ -8523,8 +8523,8 @@
           </p:nvSpPr>
           <p:spPr>
             <a:xfrm rot="16200000">
-              <a:off x="5962680" y="1157400"/>
-              <a:ext cx="1738800" cy="2772720"/>
+              <a:off x="5962680" y="1157760"/>
+              <a:ext cx="1738440" cy="2772360"/>
             </a:xfrm>
             <a:prstGeom prst="roundRect">
               <a:avLst>
@@ -8591,7 +8591,7 @@
         <p:spPr>
           <a:xfrm>
             <a:off x="586440" y="1246680"/>
-            <a:ext cx="4005720" cy="3601440"/>
+            <a:ext cx="4005360" cy="3601080"/>
           </a:xfrm>
           <a:prstGeom prst="rect">
             <a:avLst/>
@@ -8643,7 +8643,7 @@
         <p:spPr>
           <a:xfrm>
             <a:off x="5446080" y="1672200"/>
-            <a:ext cx="2781720" cy="1738800"/>
+            <a:ext cx="2781360" cy="1738440"/>
           </a:xfrm>
           <a:prstGeom prst="rect">
             <a:avLst/>
@@ -8695,7 +8695,7 @@
         <p:spPr>
           <a:xfrm>
             <a:off x="586440" y="453960"/>
-            <a:ext cx="3698280" cy="856800"/>
+            <a:ext cx="3697920" cy="856440"/>
           </a:xfrm>
           <a:prstGeom prst="rect">
             <a:avLst/>
@@ -8784,7 +8784,7 @@
         <p:spPr>
           <a:xfrm>
             <a:off x="4222080" y="1246680"/>
-            <a:ext cx="4116600" cy="3601440"/>
+            <a:ext cx="4116240" cy="3601080"/>
           </a:xfrm>
           <a:prstGeom prst="rect">
             <a:avLst/>
@@ -8835,8 +8835,8 @@
         </p:nvSpPr>
         <p:spPr>
           <a:xfrm rot="16200000">
-            <a:off x="-2181600" y="1731960"/>
-            <a:ext cx="5145480" cy="1685520"/>
+            <a:off x="-2181600" y="1732320"/>
+            <a:ext cx="5145120" cy="1685160"/>
           </a:xfrm>
           <a:prstGeom prst="roundRect">
             <a:avLst>
@@ -8874,7 +8874,7 @@
         <p:spPr>
           <a:xfrm rot="2745000">
             <a:off x="8575200" y="104760"/>
-            <a:ext cx="1134000" cy="1133640"/>
+            <a:ext cx="1133640" cy="1133280"/>
           </a:xfrm>
           <a:prstGeom prst="roundRect">
             <a:avLst>
@@ -8911,8 +8911,8 @@
         </p:nvSpPr>
         <p:spPr>
           <a:xfrm rot="16200000">
-            <a:off x="614880" y="917280"/>
-            <a:ext cx="3233520" cy="3315240"/>
+            <a:off x="614880" y="917640"/>
+            <a:ext cx="3233160" cy="3314880"/>
           </a:xfrm>
           <a:prstGeom prst="roundRect">
             <a:avLst>
@@ -8978,7 +8978,7 @@
         <p:spPr>
           <a:xfrm>
             <a:off x="4214160" y="456120"/>
-            <a:ext cx="4113360" cy="856800"/>
+            <a:ext cx="4113000" cy="856440"/>
           </a:xfrm>
           <a:prstGeom prst="rect">
             <a:avLst/>
